--- a/DRC-Presentation.pptx
+++ b/DRC-Presentation.pptx
@@ -5,10 +5,10 @@
     <p:sldMasterId id="2147483648" r:id="rId4"/>
   </p:sldMasterIdLst>
   <p:notesMasterIdLst>
-    <p:notesMasterId r:id="rId22"/>
+    <p:notesMasterId r:id="rId27"/>
   </p:notesMasterIdLst>
   <p:handoutMasterIdLst>
-    <p:handoutMasterId r:id="rId23"/>
+    <p:handoutMasterId r:id="rId28"/>
   </p:handoutMasterIdLst>
   <p:sldIdLst>
     <p:sldId id="256" r:id="rId5"/>
@@ -28,6 +28,11 @@
     <p:sldId id="298" r:id="rId19"/>
     <p:sldId id="299" r:id="rId20"/>
     <p:sldId id="300" r:id="rId21"/>
+    <p:sldId id="301" r:id="rId22"/>
+    <p:sldId id="302" r:id="rId23"/>
+    <p:sldId id="303" r:id="rId24"/>
+    <p:sldId id="304" r:id="rId25"/>
+    <p:sldId id="305" r:id="rId26"/>
   </p:sldIdLst>
   <p:sldSz cx="12192000" cy="6858000"/>
   <p:notesSz cx="6858000" cy="9144000"/>
@@ -242,7 +247,7 @@
           <a:p>
             <a:fld id="{1CA5457B-CDAE-4DEB-AEC8-C82DE2312E37}" type="datetimeFigureOut">
               <a:rPr lang="en-US" smtClean="0"/>
-              <a:t>5/3/2023</a:t>
+              <a:t>5/4/2023</a:t>
             </a:fld>
             <a:endParaRPr lang="en-US" dirty="0"/>
           </a:p>
@@ -419,7 +424,7 @@
           <a:p>
             <a:fld id="{090B78EA-28CE-41D8-9043-90E391E5F567}" type="datetimeFigureOut">
               <a:rPr lang="en-US" noProof="0" smtClean="0"/>
-              <a:t>5/3/2023</a:t>
+              <a:t>5/4/2023</a:t>
             </a:fld>
             <a:endParaRPr lang="en-US" noProof="0" dirty="0"/>
           </a:p>
@@ -25491,38 +25496,7 @@
             <a:pPr algn="ctr"/>
             <a:r>
               <a:rPr lang="en-US" dirty="0"/>
-              <a:t>Strongest and Weakest Player Comp.</a:t>
-            </a:r>
-          </a:p>
-        </p:txBody>
-      </p:sp>
-      <p:sp>
-        <p:nvSpPr>
-          <p:cNvPr id="3" name="Subtitle 2">
-            <a:extLst>
-              <a:ext uri="{FF2B5EF4-FFF2-40B4-BE49-F238E27FC236}">
-                <a16:creationId xmlns:a16="http://schemas.microsoft.com/office/drawing/2014/main" id="{0D537F64-4C96-4AA8-BB21-E8053A3186DD}"/>
-              </a:ext>
-            </a:extLst>
-          </p:cNvPr>
-          <p:cNvSpPr>
-            <a:spLocks noGrp="1"/>
-          </p:cNvSpPr>
-          <p:nvPr>
-            <p:ph type="subTitle" idx="1"/>
-          </p:nvPr>
-        </p:nvSpPr>
-        <p:spPr/>
-        <p:txBody>
-          <a:bodyPr/>
-          <a:lstStyle/>
-          <a:p>
-            <a:pPr marL="0" indent="0">
-              <a:buNone/>
-            </a:pPr>
-            <a:r>
-              <a:rPr lang="en-US" dirty="0"/>
-              <a:t>Question 3.</a:t>
+              <a:t>Orlando Magic Player Performance</a:t>
             </a:r>
           </a:p>
         </p:txBody>
@@ -25688,13 +25662,13 @@
   <p:clrMapOvr>
     <a:masterClrMapping/>
   </p:clrMapOvr>
-  <mc:AlternateContent xmlns:mc="http://schemas.openxmlformats.org/markup-compatibility/2006">
-    <mc:Choice xmlns:p14="http://schemas.microsoft.com/office/powerpoint/2010/main" Requires="p14">
+  <mc:AlternateContent xmlns:mc="http://schemas.openxmlformats.org/markup-compatibility/2006" xmlns:p14="http://schemas.microsoft.com/office/powerpoint/2010/main">
+    <mc:Choice Requires="p14">
       <p:transition spd="med" p14:dur="700">
         <p:fade/>
       </p:transition>
     </mc:Choice>
-    <mc:Fallback>
+    <mc:Fallback xmlns="">
       <p:transition spd="med">
         <p:fade/>
       </p:transition>
@@ -25818,13 +25792,13 @@
   <p:clrMapOvr>
     <a:masterClrMapping/>
   </p:clrMapOvr>
-  <mc:AlternateContent xmlns:mc="http://schemas.openxmlformats.org/markup-compatibility/2006">
-    <mc:Choice xmlns:p14="http://schemas.microsoft.com/office/powerpoint/2010/main" Requires="p14">
+  <mc:AlternateContent xmlns:mc="http://schemas.openxmlformats.org/markup-compatibility/2006" xmlns:p14="http://schemas.microsoft.com/office/powerpoint/2010/main">
+    <mc:Choice Requires="p14">
       <p:transition spd="med" p14:dur="700">
         <p:fade/>
       </p:transition>
     </mc:Choice>
-    <mc:Fallback>
+    <mc:Fallback xmlns="">
       <p:transition spd="med">
         <p:fade/>
       </p:transition>
@@ -25948,13 +25922,13 @@
   <p:clrMapOvr>
     <a:masterClrMapping/>
   </p:clrMapOvr>
-  <mc:AlternateContent xmlns:mc="http://schemas.openxmlformats.org/markup-compatibility/2006">
-    <mc:Choice xmlns:p14="http://schemas.microsoft.com/office/powerpoint/2010/main" Requires="p14">
+  <mc:AlternateContent xmlns:mc="http://schemas.openxmlformats.org/markup-compatibility/2006" xmlns:p14="http://schemas.microsoft.com/office/powerpoint/2010/main">
+    <mc:Choice Requires="p14">
       <p:transition spd="med" p14:dur="700">
         <p:fade/>
       </p:transition>
     </mc:Choice>
-    <mc:Fallback>
+    <mc:Fallback xmlns="">
       <p:transition spd="med">
         <p:fade/>
       </p:transition>
@@ -26050,13 +26024,13 @@
   <p:clrMapOvr>
     <a:masterClrMapping/>
   </p:clrMapOvr>
-  <mc:AlternateContent xmlns:mc="http://schemas.openxmlformats.org/markup-compatibility/2006">
-    <mc:Choice xmlns:p14="http://schemas.microsoft.com/office/powerpoint/2010/main" Requires="p14">
+  <mc:AlternateContent xmlns:mc="http://schemas.openxmlformats.org/markup-compatibility/2006" xmlns:p14="http://schemas.microsoft.com/office/powerpoint/2010/main">
+    <mc:Choice Requires="p14">
       <p:transition spd="med" p14:dur="700">
         <p:fade/>
       </p:transition>
     </mc:Choice>
-    <mc:Fallback>
+    <mc:Fallback xmlns="">
       <p:transition spd="med">
         <p:fade/>
       </p:transition>
@@ -26210,13 +26184,13 @@
   <p:clrMapOvr>
     <a:masterClrMapping/>
   </p:clrMapOvr>
-  <mc:AlternateContent xmlns:mc="http://schemas.openxmlformats.org/markup-compatibility/2006">
-    <mc:Choice xmlns:p14="http://schemas.microsoft.com/office/powerpoint/2010/main" Requires="p14">
+  <mc:AlternateContent xmlns:mc="http://schemas.openxmlformats.org/markup-compatibility/2006" xmlns:p14="http://schemas.microsoft.com/office/powerpoint/2010/main">
+    <mc:Choice Requires="p14">
       <p:transition spd="med" p14:dur="700">
         <p:fade/>
       </p:transition>
     </mc:Choice>
-    <mc:Fallback>
+    <mc:Fallback xmlns="">
       <p:transition spd="med">
         <p:fade/>
       </p:transition>
@@ -26370,13 +26344,13 @@
   <p:clrMapOvr>
     <a:masterClrMapping/>
   </p:clrMapOvr>
-  <mc:AlternateContent xmlns:mc="http://schemas.openxmlformats.org/markup-compatibility/2006">
-    <mc:Choice xmlns:p14="http://schemas.microsoft.com/office/powerpoint/2010/main" Requires="p14">
+  <mc:AlternateContent xmlns:mc="http://schemas.openxmlformats.org/markup-compatibility/2006" xmlns:p14="http://schemas.microsoft.com/office/powerpoint/2010/main">
+    <mc:Choice Requires="p14">
       <p:transition spd="med" p14:dur="700">
         <p:fade/>
       </p:transition>
     </mc:Choice>
-    <mc:Fallback>
+    <mc:Fallback xmlns="">
       <p:transition spd="med">
         <p:fade/>
       </p:transition>
@@ -26565,13 +26539,13 @@
   <p:clrMapOvr>
     <a:masterClrMapping/>
   </p:clrMapOvr>
-  <mc:AlternateContent xmlns:mc="http://schemas.openxmlformats.org/markup-compatibility/2006">
-    <mc:Choice xmlns:p14="http://schemas.microsoft.com/office/powerpoint/2010/main" Requires="p14">
+  <mc:AlternateContent xmlns:mc="http://schemas.openxmlformats.org/markup-compatibility/2006" xmlns:p14="http://schemas.microsoft.com/office/powerpoint/2010/main">
+    <mc:Choice Requires="p14">
       <p:transition spd="med" p14:dur="700">
         <p:fade/>
       </p:transition>
     </mc:Choice>
-    <mc:Fallback>
+    <mc:Fallback xmlns="">
       <p:transition spd="med">
         <p:fade/>
       </p:transition>
@@ -26695,18 +26669,352 @@
   <p:clrMapOvr>
     <a:masterClrMapping/>
   </p:clrMapOvr>
-  <mc:AlternateContent xmlns:mc="http://schemas.openxmlformats.org/markup-compatibility/2006">
-    <mc:Choice xmlns:p14="http://schemas.microsoft.com/office/powerpoint/2010/main" Requires="p14">
+  <mc:AlternateContent xmlns:mc="http://schemas.openxmlformats.org/markup-compatibility/2006" xmlns:p14="http://schemas.microsoft.com/office/powerpoint/2010/main">
+    <mc:Choice Requires="p14">
       <p:transition spd="med" p14:dur="700">
         <p:fade/>
       </p:transition>
     </mc:Choice>
-    <mc:Fallback>
+    <mc:Fallback xmlns="">
       <p:transition spd="med">
         <p:fade/>
       </p:transition>
     </mc:Fallback>
   </mc:AlternateContent>
+</p:sld>
+</file>
+
+<file path=ppt/slides/slide18.xml><?xml version="1.0" encoding="utf-8"?>
+<p:sld xmlns:a="http://schemas.openxmlformats.org/drawingml/2006/main" xmlns:r="http://schemas.openxmlformats.org/officeDocument/2006/relationships" xmlns:p="http://schemas.openxmlformats.org/presentationml/2006/main">
+  <p:cSld>
+    <p:spTree>
+      <p:nvGrpSpPr>
+        <p:cNvPr id="1" name=""/>
+        <p:cNvGrpSpPr/>
+        <p:nvPr/>
+      </p:nvGrpSpPr>
+      <p:grpSpPr>
+        <a:xfrm>
+          <a:off x="0" y="0"/>
+          <a:ext cx="0" cy="0"/>
+          <a:chOff x="0" y="0"/>
+          <a:chExt cx="0" cy="0"/>
+        </a:xfrm>
+      </p:grpSpPr>
+      <p:sp>
+        <p:nvSpPr>
+          <p:cNvPr id="2" name="Title 1">
+            <a:extLst>
+              <a:ext uri="{FF2B5EF4-FFF2-40B4-BE49-F238E27FC236}">
+                <a16:creationId xmlns:a16="http://schemas.microsoft.com/office/drawing/2014/main" id="{8EE36208-2B3C-8565-E6B5-08C9C4A52A9B}"/>
+              </a:ext>
+            </a:extLst>
+          </p:cNvPr>
+          <p:cNvSpPr>
+            <a:spLocks noGrp="1"/>
+          </p:cNvSpPr>
+          <p:nvPr>
+            <p:ph type="title"/>
+          </p:nvPr>
+        </p:nvSpPr>
+        <p:spPr/>
+        <p:txBody>
+          <a:bodyPr/>
+          <a:lstStyle/>
+          <a:p>
+            <a:r>
+              <a:rPr lang="en-US" dirty="0"/>
+              <a:t>Data Collection</a:t>
+            </a:r>
+          </a:p>
+        </p:txBody>
+      </p:sp>
+      <p:sp>
+        <p:nvSpPr>
+          <p:cNvPr id="3" name="Slide Number Placeholder 2">
+            <a:extLst>
+              <a:ext uri="{FF2B5EF4-FFF2-40B4-BE49-F238E27FC236}">
+                <a16:creationId xmlns:a16="http://schemas.microsoft.com/office/drawing/2014/main" id="{027E4C09-C030-DA0B-5EDD-29C27D333307}"/>
+              </a:ext>
+            </a:extLst>
+          </p:cNvPr>
+          <p:cNvSpPr>
+            <a:spLocks noGrp="1"/>
+          </p:cNvSpPr>
+          <p:nvPr>
+            <p:ph type="sldNum" sz="quarter" idx="12"/>
+          </p:nvPr>
+        </p:nvSpPr>
+        <p:spPr/>
+        <p:txBody>
+          <a:bodyPr/>
+          <a:lstStyle/>
+          <a:p>
+            <a:fld id="{C263D6C4-4840-40CC-AC84-17E24B3B7BDE}" type="slidenum">
+              <a:rPr lang="en-US" noProof="0" smtClean="0"/>
+              <a:pPr/>
+              <a:t>18</a:t>
+            </a:fld>
+            <a:endParaRPr lang="en-US" noProof="0" dirty="0"/>
+          </a:p>
+        </p:txBody>
+      </p:sp>
+      <p:sp>
+        <p:nvSpPr>
+          <p:cNvPr id="4" name="Text Placeholder 3">
+            <a:extLst>
+              <a:ext uri="{FF2B5EF4-FFF2-40B4-BE49-F238E27FC236}">
+                <a16:creationId xmlns:a16="http://schemas.microsoft.com/office/drawing/2014/main" id="{86DC6621-4749-89BC-2276-BA0EE552A04A}"/>
+              </a:ext>
+            </a:extLst>
+          </p:cNvPr>
+          <p:cNvSpPr>
+            <a:spLocks noGrp="1"/>
+          </p:cNvSpPr>
+          <p:nvPr>
+            <p:ph type="body" sz="quarter" idx="13"/>
+          </p:nvPr>
+        </p:nvSpPr>
+        <p:spPr/>
+        <p:txBody>
+          <a:bodyPr/>
+          <a:lstStyle/>
+          <a:p>
+            <a:r>
+              <a:rPr lang="en-US" dirty="0"/>
+              <a:t>Used </a:t>
+            </a:r>
+            <a:r>
+              <a:rPr lang="en-US" dirty="0">
+                <a:solidFill>
+                  <a:srgbClr val="FFFF00"/>
+                </a:solidFill>
+                <a:hlinkClick r:id="rId2">
+                  <a:extLst>
+                    <a:ext uri="{A12FA001-AC4F-418D-AE19-62706E023703}">
+                      <ahyp:hlinkClr xmlns:ahyp="http://schemas.microsoft.com/office/drawing/2018/hyperlinkcolor" val="tx"/>
+                    </a:ext>
+                  </a:extLst>
+                </a:hlinkClick>
+              </a:rPr>
+              <a:t>https://www.nba.com/stats/players/traditional?SeasonType=Regular+Season</a:t>
+            </a:r>
+            <a:r>
+              <a:rPr lang="en-US" dirty="0">
+                <a:solidFill>
+                  <a:srgbClr val="FFFF00"/>
+                </a:solidFill>
+              </a:rPr>
+              <a:t> </a:t>
+            </a:r>
+            <a:r>
+              <a:rPr lang="en-US" dirty="0"/>
+              <a:t>to collect the traditional statistics of the 2023 regular season from the top 200 players made it into a CSV file.</a:t>
+            </a:r>
+          </a:p>
+          <a:p>
+            <a:r>
+              <a:rPr lang="en-US" dirty="0"/>
+              <a:t>Used the same site to get the traditional stats for the 2023 Orlando Magic Team and made it into a CSV file.</a:t>
+            </a:r>
+          </a:p>
+          <a:p>
+            <a:r>
+              <a:rPr lang="en-US" dirty="0"/>
+              <a:t>Added a Position column in excel to each of the CSV files. Created </a:t>
+            </a:r>
+            <a:r>
+              <a:rPr lang="en-US" dirty="0" err="1"/>
+              <a:t>Dataframe</a:t>
+            </a:r>
+            <a:r>
+              <a:rPr lang="en-US" dirty="0"/>
+              <a:t> with the CSV files of League Leaders and Orlando Magic Team.</a:t>
+            </a:r>
+          </a:p>
+          <a:p>
+            <a:r>
+              <a:rPr lang="en-US" dirty="0"/>
+              <a:t> Used the </a:t>
+            </a:r>
+            <a:r>
+              <a:rPr lang="en-US" dirty="0" err="1"/>
+              <a:t>Groupby</a:t>
+            </a:r>
+            <a:r>
+              <a:rPr lang="en-US" dirty="0"/>
+              <a:t> and .Loc function to sort the data by position so each player was being compared to similar player type.  </a:t>
+            </a:r>
+          </a:p>
+        </p:txBody>
+      </p:sp>
+    </p:spTree>
+    <p:extLst>
+      <p:ext uri="{BB962C8B-B14F-4D97-AF65-F5344CB8AC3E}">
+        <p14:creationId xmlns:p14="http://schemas.microsoft.com/office/powerpoint/2010/main" val="2671787793"/>
+      </p:ext>
+    </p:extLst>
+  </p:cSld>
+  <p:clrMapOvr>
+    <a:masterClrMapping/>
+  </p:clrMapOvr>
+</p:sld>
+</file>
+
+<file path=ppt/slides/slide19.xml><?xml version="1.0" encoding="utf-8"?>
+<p:sld xmlns:a="http://schemas.openxmlformats.org/drawingml/2006/main" xmlns:r="http://schemas.openxmlformats.org/officeDocument/2006/relationships" xmlns:p="http://schemas.openxmlformats.org/presentationml/2006/main">
+  <p:cSld>
+    <p:spTree>
+      <p:nvGrpSpPr>
+        <p:cNvPr id="1" name=""/>
+        <p:cNvGrpSpPr/>
+        <p:nvPr/>
+      </p:nvGrpSpPr>
+      <p:grpSpPr>
+        <a:xfrm>
+          <a:off x="0" y="0"/>
+          <a:ext cx="0" cy="0"/>
+          <a:chOff x="0" y="0"/>
+          <a:chExt cx="0" cy="0"/>
+        </a:xfrm>
+      </p:grpSpPr>
+      <p:sp>
+        <p:nvSpPr>
+          <p:cNvPr id="2" name="Title 1">
+            <a:extLst>
+              <a:ext uri="{FF2B5EF4-FFF2-40B4-BE49-F238E27FC236}">
+                <a16:creationId xmlns:a16="http://schemas.microsoft.com/office/drawing/2014/main" id="{D30847EC-60DD-B8A4-8128-85C6AC9BDE47}"/>
+              </a:ext>
+            </a:extLst>
+          </p:cNvPr>
+          <p:cNvSpPr>
+            <a:spLocks noGrp="1"/>
+          </p:cNvSpPr>
+          <p:nvPr>
+            <p:ph type="title"/>
+          </p:nvPr>
+        </p:nvSpPr>
+        <p:spPr/>
+        <p:txBody>
+          <a:bodyPr/>
+          <a:lstStyle/>
+          <a:p>
+            <a:r>
+              <a:rPr lang="en-US" dirty="0"/>
+              <a:t>Orlando’s Players Strengths</a:t>
+            </a:r>
+          </a:p>
+        </p:txBody>
+      </p:sp>
+      <p:sp>
+        <p:nvSpPr>
+          <p:cNvPr id="3" name="Slide Number Placeholder 2">
+            <a:extLst>
+              <a:ext uri="{FF2B5EF4-FFF2-40B4-BE49-F238E27FC236}">
+                <a16:creationId xmlns:a16="http://schemas.microsoft.com/office/drawing/2014/main" id="{9611D4CE-6ED3-68FC-F17D-D3A0A33C0DD8}"/>
+              </a:ext>
+            </a:extLst>
+          </p:cNvPr>
+          <p:cNvSpPr>
+            <a:spLocks noGrp="1"/>
+          </p:cNvSpPr>
+          <p:nvPr>
+            <p:ph type="sldNum" sz="quarter" idx="12"/>
+          </p:nvPr>
+        </p:nvSpPr>
+        <p:spPr/>
+        <p:txBody>
+          <a:bodyPr/>
+          <a:lstStyle/>
+          <a:p>
+            <a:fld id="{C263D6C4-4840-40CC-AC84-17E24B3B7BDE}" type="slidenum">
+              <a:rPr lang="en-US" noProof="0" smtClean="0"/>
+              <a:pPr/>
+              <a:t>19</a:t>
+            </a:fld>
+            <a:endParaRPr lang="en-US" noProof="0" dirty="0"/>
+          </a:p>
+        </p:txBody>
+      </p:sp>
+      <p:sp>
+        <p:nvSpPr>
+          <p:cNvPr id="4" name="Text Placeholder 3">
+            <a:extLst>
+              <a:ext uri="{FF2B5EF4-FFF2-40B4-BE49-F238E27FC236}">
+                <a16:creationId xmlns:a16="http://schemas.microsoft.com/office/drawing/2014/main" id="{9E5579F4-A95B-9BEA-EB60-5BD18FC36D22}"/>
+              </a:ext>
+            </a:extLst>
+          </p:cNvPr>
+          <p:cNvSpPr>
+            <a:spLocks noGrp="1"/>
+          </p:cNvSpPr>
+          <p:nvPr>
+            <p:ph type="body" sz="quarter" idx="13"/>
+          </p:nvPr>
+        </p:nvSpPr>
+        <p:spPr/>
+        <p:txBody>
+          <a:bodyPr/>
+          <a:lstStyle/>
+          <a:p>
+            <a:r>
+              <a:rPr lang="en-US" dirty="0"/>
+              <a:t>Franz Wagner and Paolo </a:t>
+            </a:r>
+            <a:r>
+              <a:rPr lang="en-US" dirty="0" err="1"/>
+              <a:t>Banchero</a:t>
+            </a:r>
+            <a:r>
+              <a:rPr lang="en-US" dirty="0"/>
+              <a:t> were above the league average in every metric related to scoring directly and/or indirectly.</a:t>
+            </a:r>
+          </a:p>
+          <a:p>
+            <a:r>
+              <a:rPr lang="en-US" dirty="0"/>
+              <a:t>Starter Markelle Fultz was above league average in field goal percentage.</a:t>
+            </a:r>
+          </a:p>
+          <a:p>
+            <a:r>
+              <a:rPr lang="en-US" dirty="0"/>
+              <a:t>Starter Markelle Fultz was above league average in assists.</a:t>
+            </a:r>
+          </a:p>
+          <a:p>
+            <a:r>
+              <a:rPr lang="en-US" dirty="0"/>
+              <a:t>Reserve Guard Gary Harris was above league average in 3pt shooting.</a:t>
+            </a:r>
+          </a:p>
+          <a:p>
+            <a:r>
+              <a:rPr lang="en-US" dirty="0"/>
+              <a:t>All but one Center was below league average in 3pt shooting.</a:t>
+            </a:r>
+          </a:p>
+          <a:p>
+            <a:r>
+              <a:rPr lang="en-US" dirty="0"/>
+              <a:t>All but one Guard were below the league average in turnovers.</a:t>
+            </a:r>
+          </a:p>
+          <a:p>
+            <a:endParaRPr lang="en-US" dirty="0"/>
+          </a:p>
+        </p:txBody>
+      </p:sp>
+    </p:spTree>
+    <p:extLst>
+      <p:ext uri="{BB962C8B-B14F-4D97-AF65-F5344CB8AC3E}">
+        <p14:creationId xmlns:p14="http://schemas.microsoft.com/office/powerpoint/2010/main" val="2241495203"/>
+      </p:ext>
+    </p:extLst>
+  </p:cSld>
+  <p:clrMapOvr>
+    <a:masterClrMapping/>
+  </p:clrMapOvr>
 </p:sld>
 </file>
 
@@ -26809,6 +27117,410 @@
       </p:transition>
     </mc:Fallback>
   </mc:AlternateContent>
+</p:sld>
+</file>
+
+<file path=ppt/slides/slide20.xml><?xml version="1.0" encoding="utf-8"?>
+<p:sld xmlns:a="http://schemas.openxmlformats.org/drawingml/2006/main" xmlns:r="http://schemas.openxmlformats.org/officeDocument/2006/relationships" xmlns:p="http://schemas.openxmlformats.org/presentationml/2006/main">
+  <p:cSld>
+    <p:spTree>
+      <p:nvGrpSpPr>
+        <p:cNvPr id="1" name=""/>
+        <p:cNvGrpSpPr/>
+        <p:nvPr/>
+      </p:nvGrpSpPr>
+      <p:grpSpPr>
+        <a:xfrm>
+          <a:off x="0" y="0"/>
+          <a:ext cx="0" cy="0"/>
+          <a:chOff x="0" y="0"/>
+          <a:chExt cx="0" cy="0"/>
+        </a:xfrm>
+      </p:grpSpPr>
+      <p:sp>
+        <p:nvSpPr>
+          <p:cNvPr id="2" name="Title 1">
+            <a:extLst>
+              <a:ext uri="{FF2B5EF4-FFF2-40B4-BE49-F238E27FC236}">
+                <a16:creationId xmlns:a16="http://schemas.microsoft.com/office/drawing/2014/main" id="{D30847EC-60DD-B8A4-8128-85C6AC9BDE47}"/>
+              </a:ext>
+            </a:extLst>
+          </p:cNvPr>
+          <p:cNvSpPr>
+            <a:spLocks noGrp="1"/>
+          </p:cNvSpPr>
+          <p:nvPr>
+            <p:ph type="title"/>
+          </p:nvPr>
+        </p:nvSpPr>
+        <p:spPr/>
+        <p:txBody>
+          <a:bodyPr/>
+          <a:lstStyle/>
+          <a:p>
+            <a:r>
+              <a:rPr lang="en-US" dirty="0"/>
+              <a:t>Orlando’s Players Deficiencies </a:t>
+            </a:r>
+          </a:p>
+        </p:txBody>
+      </p:sp>
+      <p:sp>
+        <p:nvSpPr>
+          <p:cNvPr id="3" name="Slide Number Placeholder 2">
+            <a:extLst>
+              <a:ext uri="{FF2B5EF4-FFF2-40B4-BE49-F238E27FC236}">
+                <a16:creationId xmlns:a16="http://schemas.microsoft.com/office/drawing/2014/main" id="{9611D4CE-6ED3-68FC-F17D-D3A0A33C0DD8}"/>
+              </a:ext>
+            </a:extLst>
+          </p:cNvPr>
+          <p:cNvSpPr>
+            <a:spLocks noGrp="1"/>
+          </p:cNvSpPr>
+          <p:nvPr>
+            <p:ph type="sldNum" sz="quarter" idx="12"/>
+          </p:nvPr>
+        </p:nvSpPr>
+        <p:spPr/>
+        <p:txBody>
+          <a:bodyPr/>
+          <a:lstStyle/>
+          <a:p>
+            <a:fld id="{C263D6C4-4840-40CC-AC84-17E24B3B7BDE}" type="slidenum">
+              <a:rPr lang="en-US" noProof="0" smtClean="0"/>
+              <a:pPr/>
+              <a:t>20</a:t>
+            </a:fld>
+            <a:endParaRPr lang="en-US" noProof="0" dirty="0"/>
+          </a:p>
+        </p:txBody>
+      </p:sp>
+      <p:sp>
+        <p:nvSpPr>
+          <p:cNvPr id="4" name="Text Placeholder 3">
+            <a:extLst>
+              <a:ext uri="{FF2B5EF4-FFF2-40B4-BE49-F238E27FC236}">
+                <a16:creationId xmlns:a16="http://schemas.microsoft.com/office/drawing/2014/main" id="{9E5579F4-A95B-9BEA-EB60-5BD18FC36D22}"/>
+              </a:ext>
+            </a:extLst>
+          </p:cNvPr>
+          <p:cNvSpPr>
+            <a:spLocks noGrp="1"/>
+          </p:cNvSpPr>
+          <p:nvPr>
+            <p:ph type="body" sz="quarter" idx="13"/>
+          </p:nvPr>
+        </p:nvSpPr>
+        <p:spPr/>
+        <p:txBody>
+          <a:bodyPr/>
+          <a:lstStyle/>
+          <a:p>
+            <a:r>
+              <a:rPr lang="en-US" dirty="0"/>
+              <a:t>Reserve Guards performance in most major statistics categories were at or below league average.</a:t>
+            </a:r>
+          </a:p>
+          <a:p>
+            <a:r>
+              <a:rPr lang="en-US" dirty="0"/>
+              <a:t>Reserve Forwards performance in most major statistics categories were at or below league average.</a:t>
+            </a:r>
+          </a:p>
+          <a:p>
+            <a:r>
+              <a:rPr lang="en-US" dirty="0"/>
+              <a:t>Starting Center performance in key role statistics were at or slightly above league average.</a:t>
+            </a:r>
+          </a:p>
+          <a:p>
+            <a:r>
+              <a:rPr lang="en-US" dirty="0"/>
+              <a:t>All players but Franz Wagner were below the Plus-Minus league average.</a:t>
+            </a:r>
+          </a:p>
+          <a:p>
+            <a:r>
+              <a:rPr lang="en-US" dirty="0"/>
+              <a:t>All players but Franz Wagner, Kevon Harris, and Goga Bitadze had a negative Plus-Minus.</a:t>
+            </a:r>
+          </a:p>
+          <a:p>
+            <a:endParaRPr lang="en-US" dirty="0"/>
+          </a:p>
+        </p:txBody>
+      </p:sp>
+    </p:spTree>
+    <p:extLst>
+      <p:ext uri="{BB962C8B-B14F-4D97-AF65-F5344CB8AC3E}">
+        <p14:creationId xmlns:p14="http://schemas.microsoft.com/office/powerpoint/2010/main" val="4162429017"/>
+      </p:ext>
+    </p:extLst>
+  </p:cSld>
+  <p:clrMapOvr>
+    <a:masterClrMapping/>
+  </p:clrMapOvr>
+</p:sld>
+</file>
+
+<file path=ppt/slides/slide21.xml><?xml version="1.0" encoding="utf-8"?>
+<p:sld xmlns:a="http://schemas.openxmlformats.org/drawingml/2006/main" xmlns:r="http://schemas.openxmlformats.org/officeDocument/2006/relationships" xmlns:p="http://schemas.openxmlformats.org/presentationml/2006/main">
+  <p:cSld>
+    <p:spTree>
+      <p:nvGrpSpPr>
+        <p:cNvPr id="1" name=""/>
+        <p:cNvGrpSpPr/>
+        <p:nvPr/>
+      </p:nvGrpSpPr>
+      <p:grpSpPr>
+        <a:xfrm>
+          <a:off x="0" y="0"/>
+          <a:ext cx="0" cy="0"/>
+          <a:chOff x="0" y="0"/>
+          <a:chExt cx="0" cy="0"/>
+        </a:xfrm>
+      </p:grpSpPr>
+      <p:sp>
+        <p:nvSpPr>
+          <p:cNvPr id="2" name="Title 1">
+            <a:extLst>
+              <a:ext uri="{FF2B5EF4-FFF2-40B4-BE49-F238E27FC236}">
+                <a16:creationId xmlns:a16="http://schemas.microsoft.com/office/drawing/2014/main" id="{4F606886-B252-DF8D-B24E-CCB2C7B889B1}"/>
+              </a:ext>
+            </a:extLst>
+          </p:cNvPr>
+          <p:cNvSpPr>
+            <a:spLocks noGrp="1"/>
+          </p:cNvSpPr>
+          <p:nvPr>
+            <p:ph type="title"/>
+          </p:nvPr>
+        </p:nvSpPr>
+        <p:spPr/>
+        <p:txBody>
+          <a:bodyPr/>
+          <a:lstStyle/>
+          <a:p>
+            <a:r>
+              <a:rPr lang="en-US" dirty="0"/>
+              <a:t>Player Performance Results </a:t>
+            </a:r>
+          </a:p>
+        </p:txBody>
+      </p:sp>
+      <p:sp>
+        <p:nvSpPr>
+          <p:cNvPr id="3" name="Slide Number Placeholder 2">
+            <a:extLst>
+              <a:ext uri="{FF2B5EF4-FFF2-40B4-BE49-F238E27FC236}">
+                <a16:creationId xmlns:a16="http://schemas.microsoft.com/office/drawing/2014/main" id="{BAB3C9B8-55FF-F51D-AE6B-504214B65032}"/>
+              </a:ext>
+            </a:extLst>
+          </p:cNvPr>
+          <p:cNvSpPr>
+            <a:spLocks noGrp="1"/>
+          </p:cNvSpPr>
+          <p:nvPr>
+            <p:ph type="sldNum" sz="quarter" idx="12"/>
+          </p:nvPr>
+        </p:nvSpPr>
+        <p:spPr/>
+        <p:txBody>
+          <a:bodyPr/>
+          <a:lstStyle/>
+          <a:p>
+            <a:fld id="{C263D6C4-4840-40CC-AC84-17E24B3B7BDE}" type="slidenum">
+              <a:rPr lang="en-US" noProof="0" smtClean="0"/>
+              <a:pPr/>
+              <a:t>21</a:t>
+            </a:fld>
+            <a:endParaRPr lang="en-US" noProof="0" dirty="0"/>
+          </a:p>
+        </p:txBody>
+      </p:sp>
+      <p:sp>
+        <p:nvSpPr>
+          <p:cNvPr id="4" name="Text Placeholder 3">
+            <a:extLst>
+              <a:ext uri="{FF2B5EF4-FFF2-40B4-BE49-F238E27FC236}">
+                <a16:creationId xmlns:a16="http://schemas.microsoft.com/office/drawing/2014/main" id="{458E62A4-FDE7-0CFB-E137-F1BD869A56AE}"/>
+              </a:ext>
+            </a:extLst>
+          </p:cNvPr>
+          <p:cNvSpPr>
+            <a:spLocks noGrp="1"/>
+          </p:cNvSpPr>
+          <p:nvPr>
+            <p:ph type="body" sz="quarter" idx="13"/>
+          </p:nvPr>
+        </p:nvSpPr>
+        <p:spPr/>
+        <p:txBody>
+          <a:bodyPr/>
+          <a:lstStyle/>
+          <a:p>
+            <a:r>
+              <a:rPr lang="en-US" dirty="0"/>
+              <a:t>Starting Forwards are the strongest unit of the Orlando Magic Team, performed slightly or above the league average.</a:t>
+            </a:r>
+          </a:p>
+          <a:p>
+            <a:r>
+              <a:rPr lang="en-US" dirty="0"/>
+              <a:t>Starting Guards and Center were at or slightly above league average</a:t>
+            </a:r>
+          </a:p>
+          <a:p>
+            <a:r>
+              <a:rPr lang="en-US" dirty="0"/>
+              <a:t>Reserve players production in all roles were mainly below league average.</a:t>
+            </a:r>
+          </a:p>
+          <a:p>
+            <a:endParaRPr lang="en-US" dirty="0"/>
+          </a:p>
+        </p:txBody>
+      </p:sp>
+    </p:spTree>
+    <p:extLst>
+      <p:ext uri="{BB962C8B-B14F-4D97-AF65-F5344CB8AC3E}">
+        <p14:creationId xmlns:p14="http://schemas.microsoft.com/office/powerpoint/2010/main" val="99022287"/>
+      </p:ext>
+    </p:extLst>
+  </p:cSld>
+  <p:clrMapOvr>
+    <a:masterClrMapping/>
+  </p:clrMapOvr>
+</p:sld>
+</file>
+
+<file path=ppt/slides/slide22.xml><?xml version="1.0" encoding="utf-8"?>
+<p:sld xmlns:a="http://schemas.openxmlformats.org/drawingml/2006/main" xmlns:r="http://schemas.openxmlformats.org/officeDocument/2006/relationships" xmlns:p="http://schemas.openxmlformats.org/presentationml/2006/main">
+  <p:cSld>
+    <p:spTree>
+      <p:nvGrpSpPr>
+        <p:cNvPr id="1" name=""/>
+        <p:cNvGrpSpPr/>
+        <p:nvPr/>
+      </p:nvGrpSpPr>
+      <p:grpSpPr>
+        <a:xfrm>
+          <a:off x="0" y="0"/>
+          <a:ext cx="0" cy="0"/>
+          <a:chOff x="0" y="0"/>
+          <a:chExt cx="0" cy="0"/>
+        </a:xfrm>
+      </p:grpSpPr>
+      <p:sp>
+        <p:nvSpPr>
+          <p:cNvPr id="2" name="Title 1">
+            <a:extLst>
+              <a:ext uri="{FF2B5EF4-FFF2-40B4-BE49-F238E27FC236}">
+                <a16:creationId xmlns:a16="http://schemas.microsoft.com/office/drawing/2014/main" id="{9BA5000F-B39F-A882-CDAA-05EAF73882DD}"/>
+              </a:ext>
+            </a:extLst>
+          </p:cNvPr>
+          <p:cNvSpPr>
+            <a:spLocks noGrp="1"/>
+          </p:cNvSpPr>
+          <p:nvPr>
+            <p:ph type="title"/>
+          </p:nvPr>
+        </p:nvSpPr>
+        <p:spPr/>
+        <p:txBody>
+          <a:bodyPr/>
+          <a:lstStyle/>
+          <a:p>
+            <a:r>
+              <a:rPr lang="en-US" dirty="0"/>
+              <a:t>Conclusion</a:t>
+            </a:r>
+          </a:p>
+        </p:txBody>
+      </p:sp>
+      <p:sp>
+        <p:nvSpPr>
+          <p:cNvPr id="3" name="Slide Number Placeholder 2">
+            <a:extLst>
+              <a:ext uri="{FF2B5EF4-FFF2-40B4-BE49-F238E27FC236}">
+                <a16:creationId xmlns:a16="http://schemas.microsoft.com/office/drawing/2014/main" id="{9814BDD0-AD59-4BC2-89A0-F1ECFD5DA82A}"/>
+              </a:ext>
+            </a:extLst>
+          </p:cNvPr>
+          <p:cNvSpPr>
+            <a:spLocks noGrp="1"/>
+          </p:cNvSpPr>
+          <p:nvPr>
+            <p:ph type="sldNum" sz="quarter" idx="12"/>
+          </p:nvPr>
+        </p:nvSpPr>
+        <p:spPr/>
+        <p:txBody>
+          <a:bodyPr/>
+          <a:lstStyle/>
+          <a:p>
+            <a:fld id="{C263D6C4-4840-40CC-AC84-17E24B3B7BDE}" type="slidenum">
+              <a:rPr lang="en-US" noProof="0" smtClean="0"/>
+              <a:pPr/>
+              <a:t>22</a:t>
+            </a:fld>
+            <a:endParaRPr lang="en-US" noProof="0" dirty="0"/>
+          </a:p>
+        </p:txBody>
+      </p:sp>
+      <p:sp>
+        <p:nvSpPr>
+          <p:cNvPr id="4" name="Text Placeholder 3">
+            <a:extLst>
+              <a:ext uri="{FF2B5EF4-FFF2-40B4-BE49-F238E27FC236}">
+                <a16:creationId xmlns:a16="http://schemas.microsoft.com/office/drawing/2014/main" id="{1E9660CE-F561-182B-4A97-8EF67D1A5A6C}"/>
+              </a:ext>
+            </a:extLst>
+          </p:cNvPr>
+          <p:cNvSpPr>
+            <a:spLocks noGrp="1"/>
+          </p:cNvSpPr>
+          <p:nvPr>
+            <p:ph type="body" sz="quarter" idx="13"/>
+          </p:nvPr>
+        </p:nvSpPr>
+        <p:spPr/>
+        <p:txBody>
+          <a:bodyPr/>
+          <a:lstStyle/>
+          <a:p>
+            <a:r>
+              <a:rPr lang="en-US" dirty="0"/>
+              <a:t>Recommend contracting better reserve players in all categories. Their production is not up to par when they are on the floor.</a:t>
+            </a:r>
+          </a:p>
+          <a:p>
+            <a:r>
+              <a:rPr lang="en-US" dirty="0"/>
+              <a:t>Contracting </a:t>
+            </a:r>
+            <a:r>
+              <a:rPr lang="en-US"/>
+              <a:t>a starting </a:t>
+            </a:r>
+            <a:r>
+              <a:rPr lang="en-US" dirty="0"/>
+              <a:t>Guard or Center that is performing way above the league average and converting your starters into role players. This could increase your reserve production and their individual production shouldn’t dip to much. </a:t>
+            </a:r>
+          </a:p>
+        </p:txBody>
+      </p:sp>
+    </p:spTree>
+    <p:extLst>
+      <p:ext uri="{BB962C8B-B14F-4D97-AF65-F5344CB8AC3E}">
+        <p14:creationId xmlns:p14="http://schemas.microsoft.com/office/powerpoint/2010/main" val="4195211946"/>
+      </p:ext>
+    </p:extLst>
+  </p:cSld>
+  <p:clrMapOvr>
+    <a:masterClrMapping/>
+  </p:clrMapOvr>
 </p:sld>
 </file>
 
@@ -27117,13 +27829,13 @@
   <p:clrMapOvr>
     <a:masterClrMapping/>
   </p:clrMapOvr>
-  <mc:AlternateContent xmlns:mc="http://schemas.openxmlformats.org/markup-compatibility/2006">
-    <mc:Choice xmlns:p14="http://schemas.microsoft.com/office/powerpoint/2010/main" Requires="p14">
+  <mc:AlternateContent xmlns:mc="http://schemas.openxmlformats.org/markup-compatibility/2006" xmlns:p14="http://schemas.microsoft.com/office/powerpoint/2010/main">
+    <mc:Choice Requires="p14">
       <p:transition spd="med" p14:dur="700">
         <p:fade/>
       </p:transition>
     </mc:Choice>
-    <mc:Fallback>
+    <mc:Fallback xmlns="">
       <p:transition spd="med">
         <p:fade/>
       </p:transition>
@@ -27282,13 +27994,13 @@
   <p:clrMapOvr>
     <a:masterClrMapping/>
   </p:clrMapOvr>
-  <mc:AlternateContent xmlns:mc="http://schemas.openxmlformats.org/markup-compatibility/2006">
-    <mc:Choice xmlns:p14="http://schemas.microsoft.com/office/powerpoint/2010/main" Requires="p14">
+  <mc:AlternateContent xmlns:mc="http://schemas.openxmlformats.org/markup-compatibility/2006" xmlns:p14="http://schemas.microsoft.com/office/powerpoint/2010/main">
+    <mc:Choice Requires="p14">
       <p:transition spd="med" p14:dur="700">
         <p:fade/>
       </p:transition>
     </mc:Choice>
-    <mc:Fallback>
+    <mc:Fallback xmlns="">
       <p:transition spd="med">
         <p:fade/>
       </p:transition>
@@ -27412,13 +28124,13 @@
   <p:clrMapOvr>
     <a:masterClrMapping/>
   </p:clrMapOvr>
-  <mc:AlternateContent xmlns:mc="http://schemas.openxmlformats.org/markup-compatibility/2006">
-    <mc:Choice xmlns:p14="http://schemas.microsoft.com/office/powerpoint/2010/main" Requires="p14">
+  <mc:AlternateContent xmlns:mc="http://schemas.openxmlformats.org/markup-compatibility/2006" xmlns:p14="http://schemas.microsoft.com/office/powerpoint/2010/main">
+    <mc:Choice Requires="p14">
       <p:transition spd="med" p14:dur="700">
         <p:fade/>
       </p:transition>
     </mc:Choice>
-    <mc:Fallback>
+    <mc:Fallback xmlns="">
       <p:transition spd="med">
         <p:fade/>
       </p:transition>
@@ -27834,13 +28546,13 @@
   <p:clrMapOvr>
     <a:masterClrMapping/>
   </p:clrMapOvr>
-  <mc:AlternateContent xmlns:mc="http://schemas.openxmlformats.org/markup-compatibility/2006">
-    <mc:Choice xmlns:p14="http://schemas.microsoft.com/office/powerpoint/2010/main" Requires="p14">
+  <mc:AlternateContent xmlns:mc="http://schemas.openxmlformats.org/markup-compatibility/2006" xmlns:p14="http://schemas.microsoft.com/office/powerpoint/2010/main">
+    <mc:Choice Requires="p14">
       <p:transition spd="med" p14:dur="700">
         <p:fade/>
       </p:transition>
     </mc:Choice>
-    <mc:Fallback>
+    <mc:Fallback xmlns="">
       <p:transition spd="med">
         <p:fade/>
       </p:transition>
